--- a/c#기초교육과정.pptx
+++ b/c#기초교육과정.pptx
@@ -108,6 +108,11 @@
       </a:defRPr>
     </a:lvl9pPr>
   </p:defaultTextStyle>
+  <p:extLst>
+    <p:ext uri="{EFAFB233-063F-42B5-8137-9DF3F51BA10A}">
+      <p15:sldGuideLst xmlns:p15="http://schemas.microsoft.com/office/powerpoint/2012/main"/>
+    </p:ext>
+  </p:extLst>
 </p:presentation>
 </file>
 
@@ -258,7 +263,7 @@
           <a:p>
             <a:fld id="{3AA91378-851A-4BC8-9751-965ED21FE064}" type="datetimeFigureOut">
               <a:rPr lang="ko-KR" altLang="en-US" smtClean="0"/>
-              <a:t>2024-05-03</a:t>
+              <a:t>2024-05-08</a:t>
             </a:fld>
             <a:endParaRPr lang="ko-KR" altLang="en-US"/>
           </a:p>
@@ -456,7 +461,7 @@
           <a:p>
             <a:fld id="{3AA91378-851A-4BC8-9751-965ED21FE064}" type="datetimeFigureOut">
               <a:rPr lang="ko-KR" altLang="en-US" smtClean="0"/>
-              <a:t>2024-05-03</a:t>
+              <a:t>2024-05-08</a:t>
             </a:fld>
             <a:endParaRPr lang="ko-KR" altLang="en-US"/>
           </a:p>
@@ -664,7 +669,7 @@
           <a:p>
             <a:fld id="{3AA91378-851A-4BC8-9751-965ED21FE064}" type="datetimeFigureOut">
               <a:rPr lang="ko-KR" altLang="en-US" smtClean="0"/>
-              <a:t>2024-05-03</a:t>
+              <a:t>2024-05-08</a:t>
             </a:fld>
             <a:endParaRPr lang="ko-KR" altLang="en-US"/>
           </a:p>
@@ -862,7 +867,7 @@
           <a:p>
             <a:fld id="{3AA91378-851A-4BC8-9751-965ED21FE064}" type="datetimeFigureOut">
               <a:rPr lang="ko-KR" altLang="en-US" smtClean="0"/>
-              <a:t>2024-05-03</a:t>
+              <a:t>2024-05-08</a:t>
             </a:fld>
             <a:endParaRPr lang="ko-KR" altLang="en-US"/>
           </a:p>
@@ -1137,7 +1142,7 @@
           <a:p>
             <a:fld id="{3AA91378-851A-4BC8-9751-965ED21FE064}" type="datetimeFigureOut">
               <a:rPr lang="ko-KR" altLang="en-US" smtClean="0"/>
-              <a:t>2024-05-03</a:t>
+              <a:t>2024-05-08</a:t>
             </a:fld>
             <a:endParaRPr lang="ko-KR" altLang="en-US"/>
           </a:p>
@@ -1402,7 +1407,7 @@
           <a:p>
             <a:fld id="{3AA91378-851A-4BC8-9751-965ED21FE064}" type="datetimeFigureOut">
               <a:rPr lang="ko-KR" altLang="en-US" smtClean="0"/>
-              <a:t>2024-05-03</a:t>
+              <a:t>2024-05-08</a:t>
             </a:fld>
             <a:endParaRPr lang="ko-KR" altLang="en-US"/>
           </a:p>
@@ -1814,7 +1819,7 @@
           <a:p>
             <a:fld id="{3AA91378-851A-4BC8-9751-965ED21FE064}" type="datetimeFigureOut">
               <a:rPr lang="ko-KR" altLang="en-US" smtClean="0"/>
-              <a:t>2024-05-03</a:t>
+              <a:t>2024-05-08</a:t>
             </a:fld>
             <a:endParaRPr lang="ko-KR" altLang="en-US"/>
           </a:p>
@@ -1955,7 +1960,7 @@
           <a:p>
             <a:fld id="{3AA91378-851A-4BC8-9751-965ED21FE064}" type="datetimeFigureOut">
               <a:rPr lang="ko-KR" altLang="en-US" smtClean="0"/>
-              <a:t>2024-05-03</a:t>
+              <a:t>2024-05-08</a:t>
             </a:fld>
             <a:endParaRPr lang="ko-KR" altLang="en-US"/>
           </a:p>
@@ -2068,7 +2073,7 @@
           <a:p>
             <a:fld id="{3AA91378-851A-4BC8-9751-965ED21FE064}" type="datetimeFigureOut">
               <a:rPr lang="ko-KR" altLang="en-US" smtClean="0"/>
-              <a:t>2024-05-03</a:t>
+              <a:t>2024-05-08</a:t>
             </a:fld>
             <a:endParaRPr lang="ko-KR" altLang="en-US"/>
           </a:p>
@@ -2379,7 +2384,7 @@
           <a:p>
             <a:fld id="{3AA91378-851A-4BC8-9751-965ED21FE064}" type="datetimeFigureOut">
               <a:rPr lang="ko-KR" altLang="en-US" smtClean="0"/>
-              <a:t>2024-05-03</a:t>
+              <a:t>2024-05-08</a:t>
             </a:fld>
             <a:endParaRPr lang="ko-KR" altLang="en-US"/>
           </a:p>
@@ -2667,7 +2672,7 @@
           <a:p>
             <a:fld id="{3AA91378-851A-4BC8-9751-965ED21FE064}" type="datetimeFigureOut">
               <a:rPr lang="ko-KR" altLang="en-US" smtClean="0"/>
-              <a:t>2024-05-03</a:t>
+              <a:t>2024-05-08</a:t>
             </a:fld>
             <a:endParaRPr lang="ko-KR" altLang="en-US"/>
           </a:p>
@@ -2908,7 +2913,7 @@
           <a:p>
             <a:fld id="{3AA91378-851A-4BC8-9751-965ED21FE064}" type="datetimeFigureOut">
               <a:rPr lang="ko-KR" altLang="en-US" smtClean="0"/>
-              <a:t>2024-05-03</a:t>
+              <a:t>2024-05-08</a:t>
             </a:fld>
             <a:endParaRPr lang="ko-KR" altLang="en-US"/>
           </a:p>
@@ -3645,14 +3650,6 @@
             </a:r>
             <a:r>
               <a:rPr lang="en-US" altLang="ko-KR" dirty="0"/>
-              <a:t>, </a:t>
-            </a:r>
-            <a:r>
-              <a:rPr lang="ko-KR" altLang="en-US" dirty="0"/>
-              <a:t>실습</a:t>
-            </a:r>
-            <a:r>
-              <a:rPr lang="en-US" altLang="ko-KR" dirty="0"/>
               <a:t>, null</a:t>
             </a:r>
             <a:r>
@@ -4716,14 +4713,6 @@
             <a:r>
               <a:rPr lang="en-US" altLang="ko-KR" dirty="0"/>
               <a:t>– </a:t>
-            </a:r>
-            <a:r>
-              <a:rPr lang="en-US" altLang="ko-KR" dirty="0" err="1"/>
-              <a:t>StopWatch</a:t>
-            </a:r>
-            <a:r>
-              <a:rPr lang="en-US" altLang="ko-KR" dirty="0"/>
-              <a:t> </a:t>
             </a:r>
             <a:r>
               <a:rPr lang="ko-KR" altLang="en-US" dirty="0"/>

--- a/c#기초교육과정.pptx
+++ b/c#기초교육과정.pptx
@@ -10,6 +10,7 @@
     <p:sldId id="258" r:id="rId4"/>
     <p:sldId id="259" r:id="rId5"/>
     <p:sldId id="260" r:id="rId6"/>
+    <p:sldId id="261" r:id="rId7"/>
   </p:sldIdLst>
   <p:sldSz cx="12192000" cy="6858000"/>
   <p:notesSz cx="6858000" cy="9144000"/>
@@ -263,7 +264,7 @@
           <a:p>
             <a:fld id="{3AA91378-851A-4BC8-9751-965ED21FE064}" type="datetimeFigureOut">
               <a:rPr lang="ko-KR" altLang="en-US" smtClean="0"/>
-              <a:t>2024-05-08</a:t>
+              <a:t>2024-06-17</a:t>
             </a:fld>
             <a:endParaRPr lang="ko-KR" altLang="en-US"/>
           </a:p>
@@ -461,7 +462,7 @@
           <a:p>
             <a:fld id="{3AA91378-851A-4BC8-9751-965ED21FE064}" type="datetimeFigureOut">
               <a:rPr lang="ko-KR" altLang="en-US" smtClean="0"/>
-              <a:t>2024-05-08</a:t>
+              <a:t>2024-06-17</a:t>
             </a:fld>
             <a:endParaRPr lang="ko-KR" altLang="en-US"/>
           </a:p>
@@ -669,7 +670,7 @@
           <a:p>
             <a:fld id="{3AA91378-851A-4BC8-9751-965ED21FE064}" type="datetimeFigureOut">
               <a:rPr lang="ko-KR" altLang="en-US" smtClean="0"/>
-              <a:t>2024-05-08</a:t>
+              <a:t>2024-06-17</a:t>
             </a:fld>
             <a:endParaRPr lang="ko-KR" altLang="en-US"/>
           </a:p>
@@ -867,7 +868,7 @@
           <a:p>
             <a:fld id="{3AA91378-851A-4BC8-9751-965ED21FE064}" type="datetimeFigureOut">
               <a:rPr lang="ko-KR" altLang="en-US" smtClean="0"/>
-              <a:t>2024-05-08</a:t>
+              <a:t>2024-06-17</a:t>
             </a:fld>
             <a:endParaRPr lang="ko-KR" altLang="en-US"/>
           </a:p>
@@ -1142,7 +1143,7 @@
           <a:p>
             <a:fld id="{3AA91378-851A-4BC8-9751-965ED21FE064}" type="datetimeFigureOut">
               <a:rPr lang="ko-KR" altLang="en-US" smtClean="0"/>
-              <a:t>2024-05-08</a:t>
+              <a:t>2024-06-17</a:t>
             </a:fld>
             <a:endParaRPr lang="ko-KR" altLang="en-US"/>
           </a:p>
@@ -1407,7 +1408,7 @@
           <a:p>
             <a:fld id="{3AA91378-851A-4BC8-9751-965ED21FE064}" type="datetimeFigureOut">
               <a:rPr lang="ko-KR" altLang="en-US" smtClean="0"/>
-              <a:t>2024-05-08</a:t>
+              <a:t>2024-06-17</a:t>
             </a:fld>
             <a:endParaRPr lang="ko-KR" altLang="en-US"/>
           </a:p>
@@ -1819,7 +1820,7 @@
           <a:p>
             <a:fld id="{3AA91378-851A-4BC8-9751-965ED21FE064}" type="datetimeFigureOut">
               <a:rPr lang="ko-KR" altLang="en-US" smtClean="0"/>
-              <a:t>2024-05-08</a:t>
+              <a:t>2024-06-17</a:t>
             </a:fld>
             <a:endParaRPr lang="ko-KR" altLang="en-US"/>
           </a:p>
@@ -1960,7 +1961,7 @@
           <a:p>
             <a:fld id="{3AA91378-851A-4BC8-9751-965ED21FE064}" type="datetimeFigureOut">
               <a:rPr lang="ko-KR" altLang="en-US" smtClean="0"/>
-              <a:t>2024-05-08</a:t>
+              <a:t>2024-06-17</a:t>
             </a:fld>
             <a:endParaRPr lang="ko-KR" altLang="en-US"/>
           </a:p>
@@ -2073,7 +2074,7 @@
           <a:p>
             <a:fld id="{3AA91378-851A-4BC8-9751-965ED21FE064}" type="datetimeFigureOut">
               <a:rPr lang="ko-KR" altLang="en-US" smtClean="0"/>
-              <a:t>2024-05-08</a:t>
+              <a:t>2024-06-17</a:t>
             </a:fld>
             <a:endParaRPr lang="ko-KR" altLang="en-US"/>
           </a:p>
@@ -2384,7 +2385,7 @@
           <a:p>
             <a:fld id="{3AA91378-851A-4BC8-9751-965ED21FE064}" type="datetimeFigureOut">
               <a:rPr lang="ko-KR" altLang="en-US" smtClean="0"/>
-              <a:t>2024-05-08</a:t>
+              <a:t>2024-06-17</a:t>
             </a:fld>
             <a:endParaRPr lang="ko-KR" altLang="en-US"/>
           </a:p>
@@ -2672,7 +2673,7 @@
           <a:p>
             <a:fld id="{3AA91378-851A-4BC8-9751-965ED21FE064}" type="datetimeFigureOut">
               <a:rPr lang="ko-KR" altLang="en-US" smtClean="0"/>
-              <a:t>2024-05-08</a:t>
+              <a:t>2024-06-17</a:t>
             </a:fld>
             <a:endParaRPr lang="ko-KR" altLang="en-US"/>
           </a:p>
@@ -2913,7 +2914,7 @@
           <a:p>
             <a:fld id="{3AA91378-851A-4BC8-9751-965ED21FE064}" type="datetimeFigureOut">
               <a:rPr lang="ko-KR" altLang="en-US" smtClean="0"/>
-              <a:t>2024-05-08</a:t>
+              <a:t>2024-06-17</a:t>
             </a:fld>
             <a:endParaRPr lang="ko-KR" altLang="en-US"/>
           </a:p>
@@ -4769,6 +4770,36 @@
     <p:extLst>
       <p:ext uri="{BB962C8B-B14F-4D97-AF65-F5344CB8AC3E}">
         <p14:creationId xmlns:p14="http://schemas.microsoft.com/office/powerpoint/2010/main" val="3932459316"/>
+      </p:ext>
+    </p:extLst>
+  </p:cSld>
+  <p:clrMapOvr>
+    <a:masterClrMapping/>
+  </p:clrMapOvr>
+</p:sld>
+</file>
+
+<file path=ppt/slides/slide6.xml><?xml version="1.0" encoding="utf-8"?>
+<p:sld xmlns:a="http://schemas.openxmlformats.org/drawingml/2006/main" xmlns:r="http://schemas.openxmlformats.org/officeDocument/2006/relationships" xmlns:p="http://schemas.openxmlformats.org/presentationml/2006/main">
+  <p:cSld>
+    <p:spTree>
+      <p:nvGrpSpPr>
+        <p:cNvPr id="1" name=""/>
+        <p:cNvGrpSpPr/>
+        <p:nvPr/>
+      </p:nvGrpSpPr>
+      <p:grpSpPr>
+        <a:xfrm>
+          <a:off x="0" y="0"/>
+          <a:ext cx="0" cy="0"/>
+          <a:chOff x="0" y="0"/>
+          <a:chExt cx="0" cy="0"/>
+        </a:xfrm>
+      </p:grpSpPr>
+    </p:spTree>
+    <p:extLst>
+      <p:ext uri="{BB962C8B-B14F-4D97-AF65-F5344CB8AC3E}">
+        <p14:creationId xmlns:p14="http://schemas.microsoft.com/office/powerpoint/2010/main" val="511189820"/>
       </p:ext>
     </p:extLst>
   </p:cSld>
